--- a/android/layout/relative/doc/slides.pptx
+++ b/android/layout/relative/doc/slides.pptx
@@ -110,6 +110,11 @@
       </a:defRPr>
     </a:lvl9pPr>
   </p:defaultTextStyle>
+  <p:extLst>
+    <p:ext uri="{EFAFB233-063F-42B5-8137-9DF3F51BA10A}">
+      <p15:sldGuideLst xmlns:p15="http://schemas.microsoft.com/office/powerpoint/2012/main"/>
+    </p:ext>
+  </p:extLst>
 </p:presentation>
 </file>
 
@@ -195,7 +200,7 @@
           <a:p>
             <a:fld id="{C3FE5EC6-44E8-48A8-9080-C0FD7DA9E8E0}" type="datetimeFigureOut">
               <a:rPr lang="en-US" smtClean="0"/>
-              <a:t>7/26/2015</a:t>
+              <a:t>8/6/2015</a:t>
             </a:fld>
             <a:endParaRPr lang="en-US"/>
           </a:p>
@@ -3795,7 +3800,7 @@
       </p:sp>
       <p:pic>
         <p:nvPicPr>
-          <p:cNvPr id="7" name="Picture 6"/>
+          <p:cNvPr id="2" name="Picture 1"/>
           <p:cNvPicPr>
             <a:picLocks noChangeAspect="1"/>
           </p:cNvPicPr>
@@ -3815,8 +3820,8 @@
         </p:blipFill>
         <p:spPr>
           <a:xfrm>
-            <a:off x="838200" y="1445623"/>
-            <a:ext cx="3857625" cy="5064034"/>
+            <a:off x="1091701" y="1338388"/>
+            <a:ext cx="2902404" cy="5159828"/>
           </a:xfrm>
           <a:prstGeom prst="rect">
             <a:avLst/>
@@ -3825,7 +3830,7 @@
       </p:pic>
       <p:pic>
         <p:nvPicPr>
-          <p:cNvPr id="8" name="Picture 7"/>
+          <p:cNvPr id="9" name="Picture 8"/>
           <p:cNvPicPr>
             <a:picLocks noChangeAspect="1"/>
           </p:cNvPicPr>
@@ -3845,8 +3850,8 @@
         </p:blipFill>
         <p:spPr>
           <a:xfrm>
-            <a:off x="4938272" y="1445623"/>
-            <a:ext cx="5977967" cy="3174274"/>
+            <a:off x="4161428" y="1338388"/>
+            <a:ext cx="6163774" cy="3467122"/>
           </a:xfrm>
           <a:prstGeom prst="rect">
             <a:avLst/>
